--- a/docs/assets/system-diagram.pptx
+++ b/docs/assets/system-diagram.pptx
@@ -104,6 +104,11 @@
       </a:defRPr>
     </a:lvl9pPr>
   </p:defaultTextStyle>
+  <p:extLst>
+    <p:ext uri="{EFAFB233-063F-42B5-8137-9DF3F51BA10A}">
+      <p15:sldGuideLst xmlns:p15="http://schemas.microsoft.com/office/powerpoint/2012/main"/>
+    </p:ext>
+  </p:extLst>
 </p:presentation>
 </file>
 
@@ -256,7 +261,7 @@
           <a:p>
             <a:fld id="{6727C111-3897-4FDC-8889-86F393DB7AD2}" type="datetimeFigureOut">
               <a:rPr lang="en-GB" smtClean="0"/>
-              <a:t>19/07/2021</a:t>
+              <a:t>29/08/2021</a:t>
             </a:fld>
             <a:endParaRPr lang="en-GB"/>
           </a:p>
@@ -456,7 +461,7 @@
           <a:p>
             <a:fld id="{6727C111-3897-4FDC-8889-86F393DB7AD2}" type="datetimeFigureOut">
               <a:rPr lang="en-GB" smtClean="0"/>
-              <a:t>19/07/2021</a:t>
+              <a:t>29/08/2021</a:t>
             </a:fld>
             <a:endParaRPr lang="en-GB"/>
           </a:p>
@@ -666,7 +671,7 @@
           <a:p>
             <a:fld id="{6727C111-3897-4FDC-8889-86F393DB7AD2}" type="datetimeFigureOut">
               <a:rPr lang="en-GB" smtClean="0"/>
-              <a:t>19/07/2021</a:t>
+              <a:t>29/08/2021</a:t>
             </a:fld>
             <a:endParaRPr lang="en-GB"/>
           </a:p>
@@ -866,7 +871,7 @@
           <a:p>
             <a:fld id="{6727C111-3897-4FDC-8889-86F393DB7AD2}" type="datetimeFigureOut">
               <a:rPr lang="en-GB" smtClean="0"/>
-              <a:t>19/07/2021</a:t>
+              <a:t>29/08/2021</a:t>
             </a:fld>
             <a:endParaRPr lang="en-GB"/>
           </a:p>
@@ -1142,7 +1147,7 @@
           <a:p>
             <a:fld id="{6727C111-3897-4FDC-8889-86F393DB7AD2}" type="datetimeFigureOut">
               <a:rPr lang="en-GB" smtClean="0"/>
-              <a:t>19/07/2021</a:t>
+              <a:t>29/08/2021</a:t>
             </a:fld>
             <a:endParaRPr lang="en-GB"/>
           </a:p>
@@ -1410,7 +1415,7 @@
           <a:p>
             <a:fld id="{6727C111-3897-4FDC-8889-86F393DB7AD2}" type="datetimeFigureOut">
               <a:rPr lang="en-GB" smtClean="0"/>
-              <a:t>19/07/2021</a:t>
+              <a:t>29/08/2021</a:t>
             </a:fld>
             <a:endParaRPr lang="en-GB"/>
           </a:p>
@@ -1825,7 +1830,7 @@
           <a:p>
             <a:fld id="{6727C111-3897-4FDC-8889-86F393DB7AD2}" type="datetimeFigureOut">
               <a:rPr lang="en-GB" smtClean="0"/>
-              <a:t>19/07/2021</a:t>
+              <a:t>29/08/2021</a:t>
             </a:fld>
             <a:endParaRPr lang="en-GB"/>
           </a:p>
@@ -1967,7 +1972,7 @@
           <a:p>
             <a:fld id="{6727C111-3897-4FDC-8889-86F393DB7AD2}" type="datetimeFigureOut">
               <a:rPr lang="en-GB" smtClean="0"/>
-              <a:t>19/07/2021</a:t>
+              <a:t>29/08/2021</a:t>
             </a:fld>
             <a:endParaRPr lang="en-GB"/>
           </a:p>
@@ -2080,7 +2085,7 @@
           <a:p>
             <a:fld id="{6727C111-3897-4FDC-8889-86F393DB7AD2}" type="datetimeFigureOut">
               <a:rPr lang="en-GB" smtClean="0"/>
-              <a:t>19/07/2021</a:t>
+              <a:t>29/08/2021</a:t>
             </a:fld>
             <a:endParaRPr lang="en-GB"/>
           </a:p>
@@ -2393,7 +2398,7 @@
           <a:p>
             <a:fld id="{6727C111-3897-4FDC-8889-86F393DB7AD2}" type="datetimeFigureOut">
               <a:rPr lang="en-GB" smtClean="0"/>
-              <a:t>19/07/2021</a:t>
+              <a:t>29/08/2021</a:t>
             </a:fld>
             <a:endParaRPr lang="en-GB"/>
           </a:p>
@@ -2682,7 +2687,7 @@
           <a:p>
             <a:fld id="{6727C111-3897-4FDC-8889-86F393DB7AD2}" type="datetimeFigureOut">
               <a:rPr lang="en-GB" smtClean="0"/>
-              <a:t>19/07/2021</a:t>
+              <a:t>29/08/2021</a:t>
             </a:fld>
             <a:endParaRPr lang="en-GB"/>
           </a:p>
@@ -2925,7 +2930,7 @@
           <a:p>
             <a:fld id="{6727C111-3897-4FDC-8889-86F393DB7AD2}" type="datetimeFigureOut">
               <a:rPr lang="en-GB" smtClean="0"/>
-              <a:t>19/07/2021</a:t>
+              <a:t>29/08/2021</a:t>
             </a:fld>
             <a:endParaRPr lang="en-GB"/>
           </a:p>
@@ -3420,7 +3425,7 @@
         </p:nvSpPr>
         <p:spPr>
           <a:xfrm>
-            <a:off x="8430935" y="1510018"/>
+            <a:off x="8246379" y="4500879"/>
             <a:ext cx="2843868" cy="2298584"/>
           </a:xfrm>
           <a:prstGeom prst="cloud">
@@ -3575,13 +3580,16 @@
               </a:ext>
             </a:extLst>
           </p:cNvPr>
-          <p:cNvCxnSpPr/>
+          <p:cNvCxnSpPr>
+            <a:cxnSpLocks/>
+            <a:endCxn id="6" idx="2"/>
+          </p:cNvCxnSpPr>
           <p:nvPr/>
         </p:nvCxnSpPr>
         <p:spPr>
           <a:xfrm>
-            <a:off x="7147419" y="2080470"/>
-            <a:ext cx="1551964" cy="0"/>
+            <a:off x="5821957" y="3737080"/>
+            <a:ext cx="2433243" cy="1913091"/>
           </a:xfrm>
           <a:prstGeom prst="straightConnector1">
             <a:avLst/>
@@ -3614,13 +3622,15 @@
               </a:ext>
             </a:extLst>
           </p:cNvPr>
-          <p:cNvCxnSpPr/>
+          <p:cNvCxnSpPr>
+            <a:cxnSpLocks/>
+          </p:cNvCxnSpPr>
           <p:nvPr/>
         </p:nvCxnSpPr>
         <p:spPr>
-          <a:xfrm flipH="1">
-            <a:off x="6736360" y="3145872"/>
-            <a:ext cx="1778466" cy="0"/>
+          <a:xfrm flipV="1">
+            <a:off x="10041622" y="3388962"/>
+            <a:ext cx="0" cy="1119904"/>
           </a:xfrm>
           <a:prstGeom prst="straightConnector1">
             <a:avLst/>
@@ -3732,8 +3742,8 @@
         </p:nvSpPr>
         <p:spPr>
           <a:xfrm>
-            <a:off x="7348756" y="1166070"/>
-            <a:ext cx="1283516" cy="646331"/>
+            <a:off x="5629013" y="4900971"/>
+            <a:ext cx="2279708" cy="1200329"/>
           </a:xfrm>
           <a:prstGeom prst="rect">
             <a:avLst/>
@@ -3748,13 +3758,7 @@
           <a:p>
             <a:r>
               <a:rPr lang="en-GB" dirty="0"/>
-              <a:t>Executes</a:t>
-            </a:r>
-          </a:p>
-          <a:p>
-            <a:r>
-              <a:rPr lang="en-GB" dirty="0"/>
-              <a:t>Script</a:t>
+              <a:t>Executes script if stored data is old or user requests a new search </a:t>
             </a:r>
           </a:p>
         </p:txBody>
@@ -3773,7 +3777,7 @@
         </p:nvSpPr>
         <p:spPr>
           <a:xfrm>
-            <a:off x="6971251" y="3330429"/>
+            <a:off x="10041622" y="3780273"/>
             <a:ext cx="1367406" cy="369332"/>
           </a:xfrm>
           <a:prstGeom prst="rect">
@@ -3789,7 +3793,7 @@
           <a:p>
             <a:r>
               <a:rPr lang="en-GB" dirty="0"/>
-              <a:t>Output links</a:t>
+              <a:t>Store data</a:t>
             </a:r>
           </a:p>
         </p:txBody>
@@ -3825,6 +3829,213 @@
             <a:r>
               <a:rPr lang="en-GB" dirty="0"/>
               <a:t>Configure html elements with links</a:t>
+            </a:r>
+          </a:p>
+        </p:txBody>
+      </p:sp>
+      <p:sp>
+        <p:nvSpPr>
+          <p:cNvPr id="2" name="Flowchart: Magnetic Disk 1">
+            <a:extLst>
+              <a:ext uri="{FF2B5EF4-FFF2-40B4-BE49-F238E27FC236}">
+                <a16:creationId xmlns:a16="http://schemas.microsoft.com/office/drawing/2014/main" id="{CEF55C0A-E81C-420B-8126-D55B03DD3A26}"/>
+              </a:ext>
+            </a:extLst>
+          </p:cNvPr>
+          <p:cNvSpPr/>
+          <p:nvPr/>
+        </p:nvSpPr>
+        <p:spPr>
+          <a:xfrm>
+            <a:off x="8716163" y="1654728"/>
+            <a:ext cx="1904301" cy="1774272"/>
+          </a:xfrm>
+          <a:prstGeom prst="flowChartMagneticDisk">
+            <a:avLst/>
+          </a:prstGeom>
+          <a:noFill/>
+          <a:ln w="9525" cap="flat" cmpd="sng" algn="ctr">
+            <a:solidFill>
+              <a:schemeClr val="dk1"/>
+            </a:solidFill>
+            <a:prstDash val="solid"/>
+            <a:round/>
+            <a:headEnd type="none" w="med" len="med"/>
+            <a:tailEnd type="none" w="med" len="med"/>
+          </a:ln>
+        </p:spPr>
+        <p:style>
+          <a:lnRef idx="0">
+            <a:scrgbClr r="0" g="0" b="0"/>
+          </a:lnRef>
+          <a:fillRef idx="0">
+            <a:scrgbClr r="0" g="0" b="0"/>
+          </a:fillRef>
+          <a:effectRef idx="0">
+            <a:scrgbClr r="0" g="0" b="0"/>
+          </a:effectRef>
+          <a:fontRef idx="minor">
+            <a:schemeClr val="dk1"/>
+          </a:fontRef>
+        </p:style>
+        <p:txBody>
+          <a:bodyPr rtlCol="0" anchor="ctr"/>
+          <a:lstStyle/>
+          <a:p>
+            <a:pPr algn="ctr"/>
+            <a:r>
+              <a:rPr lang="en-GB" dirty="0"/>
+              <a:t>Sqlite3 database</a:t>
+            </a:r>
+          </a:p>
+        </p:txBody>
+      </p:sp>
+      <p:cxnSp>
+        <p:nvCxnSpPr>
+          <p:cNvPr id="5" name="Straight Arrow Connector 4">
+            <a:extLst>
+              <a:ext uri="{FF2B5EF4-FFF2-40B4-BE49-F238E27FC236}">
+                <a16:creationId xmlns:a16="http://schemas.microsoft.com/office/drawing/2014/main" id="{DD49C8CF-B500-4CC8-9C09-57540C563D62}"/>
+              </a:ext>
+            </a:extLst>
+          </p:cNvPr>
+          <p:cNvCxnSpPr>
+            <a:cxnSpLocks/>
+          </p:cNvCxnSpPr>
+          <p:nvPr/>
+        </p:nvCxnSpPr>
+        <p:spPr>
+          <a:xfrm flipV="1">
+            <a:off x="7084502" y="2097248"/>
+            <a:ext cx="1631661" cy="1"/>
+          </a:xfrm>
+          <a:prstGeom prst="straightConnector1">
+            <a:avLst/>
+          </a:prstGeom>
+          <a:ln>
+            <a:tailEnd type="triangle"/>
+          </a:ln>
+        </p:spPr>
+        <p:style>
+          <a:lnRef idx="1">
+            <a:schemeClr val="dk1"/>
+          </a:lnRef>
+          <a:fillRef idx="0">
+            <a:schemeClr val="dk1"/>
+          </a:fillRef>
+          <a:effectRef idx="0">
+            <a:schemeClr val="dk1"/>
+          </a:effectRef>
+          <a:fontRef idx="minor">
+            <a:schemeClr val="tx1"/>
+          </a:fontRef>
+        </p:style>
+      </p:cxnSp>
+      <p:sp>
+        <p:nvSpPr>
+          <p:cNvPr id="8" name="TextBox 7">
+            <a:extLst>
+              <a:ext uri="{FF2B5EF4-FFF2-40B4-BE49-F238E27FC236}">
+                <a16:creationId xmlns:a16="http://schemas.microsoft.com/office/drawing/2014/main" id="{3845B0DA-21D6-41CD-99BD-B466E9398A54}"/>
+              </a:ext>
+            </a:extLst>
+          </p:cNvPr>
+          <p:cNvSpPr txBox="1"/>
+          <p:nvPr/>
+        </p:nvSpPr>
+        <p:spPr>
+          <a:xfrm>
+            <a:off x="6597939" y="1153459"/>
+            <a:ext cx="2759978" cy="369332"/>
+          </a:xfrm>
+          <a:prstGeom prst="rect">
+            <a:avLst/>
+          </a:prstGeom>
+          <a:noFill/>
+        </p:spPr>
+        <p:txBody>
+          <a:bodyPr wrap="square" rtlCol="0">
+            <a:spAutoFit/>
+          </a:bodyPr>
+          <a:lstStyle/>
+          <a:p>
+            <a:r>
+              <a:rPr lang="en-GB" dirty="0"/>
+              <a:t>Gets data for user request</a:t>
+            </a:r>
+          </a:p>
+        </p:txBody>
+      </p:sp>
+      <p:cxnSp>
+        <p:nvCxnSpPr>
+          <p:cNvPr id="12" name="Straight Arrow Connector 11">
+            <a:extLst>
+              <a:ext uri="{FF2B5EF4-FFF2-40B4-BE49-F238E27FC236}">
+                <a16:creationId xmlns:a16="http://schemas.microsoft.com/office/drawing/2014/main" id="{9DCE37BA-CB31-4B08-9E3F-107BF5A1D2E1}"/>
+              </a:ext>
+            </a:extLst>
+          </p:cNvPr>
+          <p:cNvCxnSpPr/>
+          <p:nvPr/>
+        </p:nvCxnSpPr>
+        <p:spPr>
+          <a:xfrm flipH="1">
+            <a:off x="6786694" y="3061982"/>
+            <a:ext cx="1929469" cy="0"/>
+          </a:xfrm>
+          <a:prstGeom prst="straightConnector1">
+            <a:avLst/>
+          </a:prstGeom>
+          <a:ln>
+            <a:tailEnd type="triangle"/>
+          </a:ln>
+        </p:spPr>
+        <p:style>
+          <a:lnRef idx="1">
+            <a:schemeClr val="dk1"/>
+          </a:lnRef>
+          <a:fillRef idx="0">
+            <a:schemeClr val="dk1"/>
+          </a:fillRef>
+          <a:effectRef idx="0">
+            <a:schemeClr val="dk1"/>
+          </a:effectRef>
+          <a:fontRef idx="minor">
+            <a:schemeClr val="tx1"/>
+          </a:fontRef>
+        </p:style>
+      </p:cxnSp>
+      <p:sp>
+        <p:nvSpPr>
+          <p:cNvPr id="17" name="TextBox 16">
+            <a:extLst>
+              <a:ext uri="{FF2B5EF4-FFF2-40B4-BE49-F238E27FC236}">
+                <a16:creationId xmlns:a16="http://schemas.microsoft.com/office/drawing/2014/main" id="{22CFA85F-BD7D-4FE4-85B7-AFEDB7B246F7}"/>
+              </a:ext>
+            </a:extLst>
+          </p:cNvPr>
+          <p:cNvSpPr txBox="1"/>
+          <p:nvPr/>
+        </p:nvSpPr>
+        <p:spPr>
+          <a:xfrm>
+            <a:off x="6677638" y="3162865"/>
+            <a:ext cx="2038525" cy="369332"/>
+          </a:xfrm>
+          <a:prstGeom prst="rect">
+            <a:avLst/>
+          </a:prstGeom>
+          <a:noFill/>
+        </p:spPr>
+        <p:txBody>
+          <a:bodyPr wrap="square" rtlCol="0">
+            <a:spAutoFit/>
+          </a:bodyPr>
+          <a:lstStyle/>
+          <a:p>
+            <a:r>
+              <a:rPr lang="en-GB" dirty="0"/>
+              <a:t>Returns stored data</a:t>
             </a:r>
           </a:p>
         </p:txBody>
